--- a/08_DataOperation.pptx
+++ b/08_DataOperation.pptx
@@ -218,7 +218,7 @@
             <a:fld id="{6837EDA8-41C8-4B24-A206-13C08A65A6D7}" type="datetimeFigureOut">
               <a:rPr lang="zh-TW" altLang="en-US" smtClean="0"/>
               <a:pPr/>
-              <a:t>2020/5/3</a:t>
+              <a:t>2020/6/9</a:t>
             </a:fld>
             <a:endParaRPr lang="zh-TW" altLang="en-US"/>
           </a:p>
@@ -671,7 +671,7 @@
             <a:fld id="{8B85509C-BD4F-47BF-9B1E-FC2E949B3621}" type="datetime1">
               <a:rPr lang="zh-TW" altLang="en-US" smtClean="0"/>
               <a:pPr/>
-              <a:t>2020/5/3</a:t>
+              <a:t>2020/6/9</a:t>
             </a:fld>
             <a:endParaRPr lang="zh-TW" altLang="en-US"/>
           </a:p>
@@ -844,7 +844,7 @@
             <a:fld id="{42251B24-F787-4C15-8A0F-7AEC20C70069}" type="datetime1">
               <a:rPr lang="zh-TW" altLang="en-US" smtClean="0"/>
               <a:pPr/>
-              <a:t>2020/5/3</a:t>
+              <a:t>2020/6/9</a:t>
             </a:fld>
             <a:endParaRPr lang="zh-TW" altLang="en-US"/>
           </a:p>
@@ -1019,7 +1019,7 @@
             <a:fld id="{9CA0D33C-CE2B-45F1-B8D4-FFD1F131F331}" type="datetime1">
               <a:rPr lang="zh-TW" altLang="en-US" smtClean="0"/>
               <a:pPr/>
-              <a:t>2020/5/3</a:t>
+              <a:t>2020/6/9</a:t>
             </a:fld>
             <a:endParaRPr lang="zh-TW" altLang="en-US"/>
           </a:p>
@@ -1184,7 +1184,7 @@
             <a:fld id="{50B99440-D9EF-40CC-9B52-F6428D9B2C76}" type="datetime1">
               <a:rPr lang="zh-TW" altLang="en-US" smtClean="0"/>
               <a:pPr/>
-              <a:t>2020/5/3</a:t>
+              <a:t>2020/6/9</a:t>
             </a:fld>
             <a:endParaRPr lang="zh-TW" altLang="en-US"/>
           </a:p>
@@ -1426,7 +1426,7 @@
             <a:fld id="{0871BF52-5C6C-4959-8E27-CECB68D39FE4}" type="datetime1">
               <a:rPr lang="zh-TW" altLang="en-US" smtClean="0"/>
               <a:pPr/>
-              <a:t>2020/5/3</a:t>
+              <a:t>2020/6/9</a:t>
             </a:fld>
             <a:endParaRPr lang="zh-TW" altLang="en-US"/>
           </a:p>
@@ -1708,7 +1708,7 @@
             <a:fld id="{DF863F05-2DD9-4EB1-A827-12FD992DE9DC}" type="datetime1">
               <a:rPr lang="zh-TW" altLang="en-US" smtClean="0"/>
               <a:pPr/>
-              <a:t>2020/5/3</a:t>
+              <a:t>2020/6/9</a:t>
             </a:fld>
             <a:endParaRPr lang="zh-TW" altLang="en-US"/>
           </a:p>
@@ -2124,7 +2124,7 @@
             <a:fld id="{6339AF51-4491-4873-A096-75DB6CE47516}" type="datetime1">
               <a:rPr lang="zh-TW" altLang="en-US" smtClean="0"/>
               <a:pPr/>
-              <a:t>2020/5/3</a:t>
+              <a:t>2020/6/9</a:t>
             </a:fld>
             <a:endParaRPr lang="zh-TW" altLang="en-US"/>
           </a:p>
@@ -2238,7 +2238,7 @@
             <a:fld id="{EE4AD9C8-8B9E-40FF-ABE2-858AC2057BBB}" type="datetime1">
               <a:rPr lang="zh-TW" altLang="en-US" smtClean="0"/>
               <a:pPr/>
-              <a:t>2020/5/3</a:t>
+              <a:t>2020/6/9</a:t>
             </a:fld>
             <a:endParaRPr lang="zh-TW" altLang="en-US"/>
           </a:p>
@@ -2330,7 +2330,7 @@
             <a:fld id="{B4784999-BBBE-4BE4-A8D0-877E7D1D66CC}" type="datetime1">
               <a:rPr lang="zh-TW" altLang="en-US" smtClean="0"/>
               <a:pPr/>
-              <a:t>2020/5/3</a:t>
+              <a:t>2020/6/9</a:t>
             </a:fld>
             <a:endParaRPr lang="zh-TW" altLang="en-US"/>
           </a:p>
@@ -2602,7 +2602,7 @@
             <a:fld id="{E88D17E6-02BD-4944-B9FE-7BFCCBF83D48}" type="datetime1">
               <a:rPr lang="zh-TW" altLang="en-US" smtClean="0"/>
               <a:pPr/>
-              <a:t>2020/5/3</a:t>
+              <a:t>2020/6/9</a:t>
             </a:fld>
             <a:endParaRPr lang="zh-TW" altLang="en-US"/>
           </a:p>
@@ -2851,7 +2851,7 @@
             <a:fld id="{3C13E23D-1FEF-4D78-A3A3-3D6F2BB31954}" type="datetime1">
               <a:rPr lang="zh-TW" altLang="en-US" smtClean="0"/>
               <a:pPr/>
-              <a:t>2020/5/3</a:t>
+              <a:t>2020/6/9</a:t>
             </a:fld>
             <a:endParaRPr lang="zh-TW" altLang="en-US"/>
           </a:p>
@@ -3059,7 +3059,7 @@
             <a:fld id="{06197F35-AD6F-4594-8B50-334492D2E7E8}" type="datetime1">
               <a:rPr lang="zh-TW" altLang="en-US" smtClean="0"/>
               <a:pPr/>
-              <a:t>2020/5/3</a:t>
+              <a:t>2020/6/9</a:t>
             </a:fld>
             <a:endParaRPr lang="zh-TW" altLang="en-US"/>
           </a:p>
@@ -3520,7 +3520,7 @@
             <a:fld id="{C389EDC9-19E3-47AC-9C57-C6A24DEA81AD}" type="datetime1">
               <a:rPr lang="zh-TW" altLang="en-US" smtClean="0"/>
               <a:pPr/>
-              <a:t>2020/5/3</a:t>
+              <a:t>2020/6/9</a:t>
             </a:fld>
             <a:endParaRPr lang="zh-TW" altLang="en-US"/>
           </a:p>
@@ -3687,7 +3687,7 @@
             <a:fld id="{4E46BE27-E923-4EC2-B046-3272AE2A3E5C}" type="datetime1">
               <a:rPr lang="zh-TW" altLang="en-US" smtClean="0"/>
               <a:pPr/>
-              <a:t>2020/5/3</a:t>
+              <a:t>2020/6/9</a:t>
             </a:fld>
             <a:endParaRPr lang="zh-TW" altLang="en-US"/>
           </a:p>
@@ -4124,7 +4124,7 @@
             <a:fld id="{A4F910E6-8D00-4BAF-8C48-9688E0B449D3}" type="datetime1">
               <a:rPr lang="zh-TW" altLang="en-US" smtClean="0"/>
               <a:pPr/>
-              <a:t>2020/5/3</a:t>
+              <a:t>2020/6/9</a:t>
             </a:fld>
             <a:endParaRPr lang="zh-TW" altLang="en-US"/>
           </a:p>
@@ -4467,7 +4467,7 @@
         <p:spPr>
           <a:xfrm>
             <a:off x="467544" y="1268760"/>
-            <a:ext cx="8352928" cy="360040"/>
+            <a:ext cx="4464496" cy="360040"/>
           </a:xfrm>
           <a:ln>
             <a:solidFill>
@@ -4608,7 +4608,7 @@
             <a:fld id="{A4F910E6-8D00-4BAF-8C48-9688E0B449D3}" type="datetime1">
               <a:rPr lang="zh-TW" altLang="en-US" smtClean="0"/>
               <a:pPr/>
-              <a:t>2020/5/3</a:t>
+              <a:t>2020/6/9</a:t>
             </a:fld>
             <a:endParaRPr lang="zh-TW" altLang="en-US"/>
           </a:p>
@@ -4640,10 +4640,10 @@
       </p:sp>
       <p:pic>
         <p:nvPicPr>
-          <p:cNvPr id="7" name="Picture 6">
+          <p:cNvPr id="8" name="Picture 7">
             <a:extLst>
               <a:ext uri="{FF2B5EF4-FFF2-40B4-BE49-F238E27FC236}">
-                <a16:creationId xmlns:a16="http://schemas.microsoft.com/office/drawing/2014/main" id="{701EDEE3-0280-4798-9793-F2A1C7BDB631}"/>
+                <a16:creationId xmlns:a16="http://schemas.microsoft.com/office/drawing/2014/main" id="{CDCC38DB-E854-4A05-BA5B-269887B11720}"/>
               </a:ext>
             </a:extLst>
           </p:cNvPr>
@@ -4660,17 +4660,47 @@
         </p:blipFill>
         <p:spPr>
           <a:xfrm>
-            <a:off x="2411760" y="2064147"/>
-            <a:ext cx="3581400" cy="1676400"/>
+            <a:off x="5508104" y="1158334"/>
+            <a:ext cx="2534336" cy="5589239"/>
           </a:xfrm>
           <a:prstGeom prst="rect">
             <a:avLst/>
           </a:prstGeom>
           <a:ln>
             <a:solidFill>
-              <a:srgbClr val="C00000"/>
+              <a:schemeClr val="tx1"/>
             </a:solidFill>
           </a:ln>
+        </p:spPr>
+      </p:pic>
+      <p:pic>
+        <p:nvPicPr>
+          <p:cNvPr id="9" name="Picture 8">
+            <a:extLst>
+              <a:ext uri="{FF2B5EF4-FFF2-40B4-BE49-F238E27FC236}">
+                <a16:creationId xmlns:a16="http://schemas.microsoft.com/office/drawing/2014/main" id="{861F29D8-4532-480E-9BC0-E9C2A288460C}"/>
+              </a:ext>
+            </a:extLst>
+          </p:cNvPr>
+          <p:cNvPicPr>
+            <a:picLocks noChangeAspect="1"/>
+          </p:cNvPicPr>
+          <p:nvPr/>
+        </p:nvPicPr>
+        <p:blipFill>
+          <a:blip r:embed="rId4"/>
+          <a:stretch>
+            <a:fillRect/>
+          </a:stretch>
+        </p:blipFill>
+        <p:spPr>
+          <a:xfrm>
+            <a:off x="446449" y="2213322"/>
+            <a:ext cx="4905375" cy="3019425"/>
+          </a:xfrm>
+          <a:prstGeom prst="rect">
+            <a:avLst/>
+          </a:prstGeom>
         </p:spPr>
       </p:pic>
     </p:spTree>
@@ -4922,7 +4952,7 @@
             <a:fld id="{A4F910E6-8D00-4BAF-8C48-9688E0B449D3}" type="datetime1">
               <a:rPr lang="zh-TW" altLang="en-US" smtClean="0"/>
               <a:pPr/>
-              <a:t>2020/5/3</a:t>
+              <a:t>2020/6/9</a:t>
             </a:fld>
             <a:endParaRPr lang="zh-TW" altLang="en-US"/>
           </a:p>
@@ -5236,7 +5266,7 @@
             <a:fld id="{A4F910E6-8D00-4BAF-8C48-9688E0B449D3}" type="datetime1">
               <a:rPr lang="zh-TW" altLang="en-US" smtClean="0"/>
               <a:pPr/>
-              <a:t>2020/5/3</a:t>
+              <a:t>2020/6/9</a:t>
             </a:fld>
             <a:endParaRPr lang="zh-TW" altLang="en-US"/>
           </a:p>
@@ -5587,7 +5617,7 @@
             <a:fld id="{A4F910E6-8D00-4BAF-8C48-9688E0B449D3}" type="datetime1">
               <a:rPr lang="zh-TW" altLang="en-US" smtClean="0"/>
               <a:pPr/>
-              <a:t>2020/5/3</a:t>
+              <a:t>2020/6/9</a:t>
             </a:fld>
             <a:endParaRPr lang="zh-TW" altLang="en-US"/>
           </a:p>
@@ -5957,7 +5987,7 @@
             <a:fld id="{A4F910E6-8D00-4BAF-8C48-9688E0B449D3}" type="datetime1">
               <a:rPr lang="zh-TW" altLang="en-US" smtClean="0"/>
               <a:pPr/>
-              <a:t>2020/5/3</a:t>
+              <a:t>2020/6/9</a:t>
             </a:fld>
             <a:endParaRPr lang="zh-TW" altLang="en-US"/>
           </a:p>
@@ -6344,7 +6374,7 @@
             <a:fld id="{A4F910E6-8D00-4BAF-8C48-9688E0B449D3}" type="datetime1">
               <a:rPr lang="zh-TW" altLang="en-US" smtClean="0"/>
               <a:pPr/>
-              <a:t>2020/5/3</a:t>
+              <a:t>2020/6/9</a:t>
             </a:fld>
             <a:endParaRPr lang="zh-TW" altLang="en-US"/>
           </a:p>
@@ -6697,7 +6727,7 @@
             <a:fld id="{A4F910E6-8D00-4BAF-8C48-9688E0B449D3}" type="datetime1">
               <a:rPr lang="zh-TW" altLang="en-US" smtClean="0"/>
               <a:pPr/>
-              <a:t>2020/5/3</a:t>
+              <a:t>2020/6/9</a:t>
             </a:fld>
             <a:endParaRPr lang="zh-TW" altLang="en-US"/>
           </a:p>
